--- a/2019_07_24_UserGroup/Advanced troubleshooting and performance tuning in NET.pptx
+++ b/2019_07_24_UserGroup/Advanced troubleshooting and performance tuning in NET.pptx
@@ -3802,7 +3802,7 @@
             <a:pPr lvl="1"/>
             <a:r>
               <a:rPr lang="en-US" dirty="0"/>
-              <a:t>Entity caches keys prefixed with entity’s name (Builders for example)</a:t>
+              <a:t>Entity caches keys prefixed with entity’s name</a:t>
             </a:r>
           </a:p>
           <a:p>

--- a/2019_07_24_UserGroup/Advanced troubleshooting and performance tuning in NET.pptx
+++ b/2019_07_24_UserGroup/Advanced troubleshooting and performance tuning in NET.pptx
@@ -12,6 +12,7 @@
     <p:sldId id="259" r:id="rId6"/>
     <p:sldId id="262" r:id="rId7"/>
     <p:sldId id="260" r:id="rId8"/>
+    <p:sldId id="263" r:id="rId9"/>
   </p:sldIdLst>
   <p:sldSz cx="12192000" cy="6858000"/>
   <p:notesSz cx="6858000" cy="9144000"/>
@@ -2751,9 +2752,12 @@
 <p:sldMaster xmlns:a="http://schemas.openxmlformats.org/drawingml/2006/main" xmlns:r="http://schemas.openxmlformats.org/officeDocument/2006/relationships" xmlns:p="http://schemas.openxmlformats.org/presentationml/2006/main">
   <p:cSld>
     <p:bg>
-      <p:bgRef idx="1001">
-        <a:schemeClr val="bg1"/>
-      </p:bgRef>
+      <p:bgPr>
+        <a:solidFill>
+          <a:srgbClr val="C6C6C6"/>
+        </a:solidFill>
+        <a:effectLst/>
+      </p:bgPr>
     </p:bg>
     <p:spTree>
       <p:nvGrpSpPr>
@@ -3763,7 +3767,9 @@
         </p:nvSpPr>
         <p:spPr/>
         <p:txBody>
-          <a:bodyPr/>
+          <a:bodyPr>
+            <a:normAutofit lnSpcReduction="10000"/>
+          </a:bodyPr>
           <a:lstStyle/>
           <a:p>
             <a:r>
@@ -3823,6 +3829,12 @@
             <a:r>
               <a:rPr lang="en-US" dirty="0"/>
               <a:t>Combined with the other prefixes, there will never be a collision</a:t>
+            </a:r>
+          </a:p>
+          <a:p>
+            <a:r>
+              <a:rPr lang="en-US" dirty="0"/>
+              <a:t>Test_Builders_1 for example</a:t>
             </a:r>
           </a:p>
         </p:txBody>
@@ -4292,7 +4304,14 @@
             </a:r>
             <a:r>
               <a:rPr lang="en-US" dirty="0"/>
-              <a:t> or is operator are best way to check type</a:t>
+              <a:t> or is operator </a:t>
+            </a:r>
+          </a:p>
+          <a:p>
+            <a:pPr lvl="1"/>
+            <a:r>
+              <a:rPr lang="en-US" dirty="0"/>
+              <a:t>Best way to check types</a:t>
             </a:r>
           </a:p>
           <a:p>
@@ -4378,10 +4397,146 @@
           </a:p>
         </p:txBody>
       </p:sp>
+      <p:pic>
+        <p:nvPicPr>
+          <p:cNvPr id="4" name="Picture 3">
+            <a:extLst>
+              <a:ext uri="{FF2B5EF4-FFF2-40B4-BE49-F238E27FC236}">
+                <a16:creationId xmlns:a16="http://schemas.microsoft.com/office/drawing/2014/main" id="{54BBA219-BCA3-4D03-965B-0CBEF257D46F}"/>
+              </a:ext>
+            </a:extLst>
+          </p:cNvPr>
+          <p:cNvPicPr>
+            <a:picLocks noChangeAspect="1"/>
+          </p:cNvPicPr>
+          <p:nvPr/>
+        </p:nvPicPr>
+        <p:blipFill>
+          <a:blip r:embed="rId2">
+            <a:extLst>
+              <a:ext uri="{28A0092B-C50C-407E-A947-70E740481C1C}">
+                <a14:useLocalDpi xmlns:a14="http://schemas.microsoft.com/office/drawing/2010/main" val="0"/>
+              </a:ext>
+            </a:extLst>
+          </a:blip>
+          <a:stretch>
+            <a:fillRect/>
+          </a:stretch>
+        </p:blipFill>
+        <p:spPr>
+          <a:xfrm>
+            <a:off x="8809793" y="0"/>
+            <a:ext cx="3382207" cy="3100039"/>
+          </a:xfrm>
+          <a:prstGeom prst="rect">
+            <a:avLst/>
+          </a:prstGeom>
+          <a:effectLst>
+            <a:softEdge rad="31750"/>
+          </a:effectLst>
+        </p:spPr>
+      </p:pic>
     </p:spTree>
     <p:extLst>
       <p:ext uri="{BB962C8B-B14F-4D97-AF65-F5344CB8AC3E}">
         <p14:creationId xmlns:p14="http://schemas.microsoft.com/office/powerpoint/2010/main" val="3465392253"/>
+      </p:ext>
+    </p:extLst>
+  </p:cSld>
+  <p:clrMapOvr>
+    <a:masterClrMapping/>
+  </p:clrMapOvr>
+</p:sld>
+</file>
+
+<file path=ppt/slides/slide8.xml><?xml version="1.0" encoding="utf-8"?>
+<p:sld xmlns:a="http://schemas.openxmlformats.org/drawingml/2006/main" xmlns:r="http://schemas.openxmlformats.org/officeDocument/2006/relationships" xmlns:p="http://schemas.openxmlformats.org/presentationml/2006/main">
+  <p:cSld>
+    <p:spTree>
+      <p:nvGrpSpPr>
+        <p:cNvPr id="1" name=""/>
+        <p:cNvGrpSpPr/>
+        <p:nvPr/>
+      </p:nvGrpSpPr>
+      <p:grpSpPr>
+        <a:xfrm>
+          <a:off x="0" y="0"/>
+          <a:ext cx="0" cy="0"/>
+          <a:chOff x="0" y="0"/>
+          <a:chExt cx="0" cy="0"/>
+        </a:xfrm>
+      </p:grpSpPr>
+      <p:sp>
+        <p:nvSpPr>
+          <p:cNvPr id="2" name="Title 1">
+            <a:extLst>
+              <a:ext uri="{FF2B5EF4-FFF2-40B4-BE49-F238E27FC236}">
+                <a16:creationId xmlns:a16="http://schemas.microsoft.com/office/drawing/2014/main" id="{4B92030E-F0D1-4ED2-9045-37F5A58E168A}"/>
+              </a:ext>
+            </a:extLst>
+          </p:cNvPr>
+          <p:cNvSpPr>
+            <a:spLocks noGrp="1"/>
+          </p:cNvSpPr>
+          <p:nvPr>
+            <p:ph type="title"/>
+          </p:nvPr>
+        </p:nvSpPr>
+        <p:spPr/>
+        <p:txBody>
+          <a:bodyPr/>
+          <a:lstStyle/>
+          <a:p>
+            <a:r>
+              <a:rPr lang="en-US" dirty="0"/>
+              <a:t>See </a:t>
+            </a:r>
+            <a:r>
+              <a:rPr lang="en-US" dirty="0" err="1"/>
+              <a:t>Github</a:t>
+            </a:r>
+            <a:r>
+              <a:rPr lang="en-US" dirty="0"/>
+              <a:t> for Code And Slides</a:t>
+            </a:r>
+          </a:p>
+        </p:txBody>
+      </p:sp>
+      <p:sp>
+        <p:nvSpPr>
+          <p:cNvPr id="3" name="Content Placeholder 2">
+            <a:extLst>
+              <a:ext uri="{FF2B5EF4-FFF2-40B4-BE49-F238E27FC236}">
+                <a16:creationId xmlns:a16="http://schemas.microsoft.com/office/drawing/2014/main" id="{09364EB3-7945-475D-8A88-8A7A6BE55D93}"/>
+              </a:ext>
+            </a:extLst>
+          </p:cNvPr>
+          <p:cNvSpPr>
+            <a:spLocks noGrp="1"/>
+          </p:cNvSpPr>
+          <p:nvPr>
+            <p:ph idx="1"/>
+          </p:nvPr>
+        </p:nvSpPr>
+        <p:spPr/>
+        <p:txBody>
+          <a:bodyPr/>
+          <a:lstStyle/>
+          <a:p>
+            <a:r>
+              <a:rPr lang="en-US" dirty="0">
+                <a:hlinkClick r:id="rId2"/>
+              </a:rPr>
+              <a:t>https://github.com/knodel12/Slides</a:t>
+            </a:r>
+            <a:endParaRPr lang="en-US" dirty="0"/>
+          </a:p>
+        </p:txBody>
+      </p:sp>
+    </p:spTree>
+    <p:extLst>
+      <p:ext uri="{BB962C8B-B14F-4D97-AF65-F5344CB8AC3E}">
+        <p14:creationId xmlns:p14="http://schemas.microsoft.com/office/powerpoint/2010/main" val="2413063456"/>
       </p:ext>
     </p:extLst>
   </p:cSld>

--- a/2019_07_24_UserGroup/Advanced troubleshooting and performance tuning in NET.pptx
+++ b/2019_07_24_UserGroup/Advanced troubleshooting and performance tuning in NET.pptx
@@ -6,13 +6,15 @@
   </p:sldMasterIdLst>
   <p:sldIdLst>
     <p:sldId id="256" r:id="rId2"/>
-    <p:sldId id="257" r:id="rId3"/>
-    <p:sldId id="261" r:id="rId4"/>
-    <p:sldId id="258" r:id="rId5"/>
-    <p:sldId id="259" r:id="rId6"/>
-    <p:sldId id="262" r:id="rId7"/>
-    <p:sldId id="260" r:id="rId8"/>
-    <p:sldId id="263" r:id="rId9"/>
+    <p:sldId id="265" r:id="rId3"/>
+    <p:sldId id="257" r:id="rId4"/>
+    <p:sldId id="261" r:id="rId5"/>
+    <p:sldId id="258" r:id="rId6"/>
+    <p:sldId id="259" r:id="rId7"/>
+    <p:sldId id="264" r:id="rId8"/>
+    <p:sldId id="262" r:id="rId9"/>
+    <p:sldId id="260" r:id="rId10"/>
+    <p:sldId id="263" r:id="rId11"/>
   </p:sldIdLst>
   <p:sldSz cx="12192000" cy="6858000"/>
   <p:notesSz cx="6858000" cy="9144000"/>
@@ -3416,6 +3418,103 @@
 </p:sld>
 </file>
 
+<file path=ppt/slides/slide10.xml><?xml version="1.0" encoding="utf-8"?>
+<p:sld xmlns:a="http://schemas.openxmlformats.org/drawingml/2006/main" xmlns:r="http://schemas.openxmlformats.org/officeDocument/2006/relationships" xmlns:p="http://schemas.openxmlformats.org/presentationml/2006/main">
+  <p:cSld>
+    <p:spTree>
+      <p:nvGrpSpPr>
+        <p:cNvPr id="1" name=""/>
+        <p:cNvGrpSpPr/>
+        <p:nvPr/>
+      </p:nvGrpSpPr>
+      <p:grpSpPr>
+        <a:xfrm>
+          <a:off x="0" y="0"/>
+          <a:ext cx="0" cy="0"/>
+          <a:chOff x="0" y="0"/>
+          <a:chExt cx="0" cy="0"/>
+        </a:xfrm>
+      </p:grpSpPr>
+      <p:sp>
+        <p:nvSpPr>
+          <p:cNvPr id="2" name="Title 1">
+            <a:extLst>
+              <a:ext uri="{FF2B5EF4-FFF2-40B4-BE49-F238E27FC236}">
+                <a16:creationId xmlns:a16="http://schemas.microsoft.com/office/drawing/2014/main" id="{4B92030E-F0D1-4ED2-9045-37F5A58E168A}"/>
+              </a:ext>
+            </a:extLst>
+          </p:cNvPr>
+          <p:cNvSpPr>
+            <a:spLocks noGrp="1"/>
+          </p:cNvSpPr>
+          <p:nvPr>
+            <p:ph type="title"/>
+          </p:nvPr>
+        </p:nvSpPr>
+        <p:spPr/>
+        <p:txBody>
+          <a:bodyPr/>
+          <a:lstStyle/>
+          <a:p>
+            <a:r>
+              <a:rPr lang="en-US" dirty="0"/>
+              <a:t>See </a:t>
+            </a:r>
+            <a:r>
+              <a:rPr lang="en-US" dirty="0" err="1"/>
+              <a:t>Github</a:t>
+            </a:r>
+            <a:r>
+              <a:rPr lang="en-US" dirty="0"/>
+              <a:t> for Code And Slides</a:t>
+            </a:r>
+          </a:p>
+        </p:txBody>
+      </p:sp>
+      <p:sp>
+        <p:nvSpPr>
+          <p:cNvPr id="3" name="Content Placeholder 2">
+            <a:extLst>
+              <a:ext uri="{FF2B5EF4-FFF2-40B4-BE49-F238E27FC236}">
+                <a16:creationId xmlns:a16="http://schemas.microsoft.com/office/drawing/2014/main" id="{09364EB3-7945-475D-8A88-8A7A6BE55D93}"/>
+              </a:ext>
+            </a:extLst>
+          </p:cNvPr>
+          <p:cNvSpPr>
+            <a:spLocks noGrp="1"/>
+          </p:cNvSpPr>
+          <p:nvPr>
+            <p:ph idx="1"/>
+          </p:nvPr>
+        </p:nvSpPr>
+        <p:spPr/>
+        <p:txBody>
+          <a:bodyPr/>
+          <a:lstStyle/>
+          <a:p>
+            <a:r>
+              <a:rPr lang="en-US" dirty="0">
+                <a:hlinkClick r:id="rId2"/>
+              </a:rPr>
+              <a:t>https://github.com/knodel12/Slides</a:t>
+            </a:r>
+            <a:endParaRPr lang="en-US" dirty="0"/>
+          </a:p>
+        </p:txBody>
+      </p:sp>
+    </p:spTree>
+    <p:extLst>
+      <p:ext uri="{BB962C8B-B14F-4D97-AF65-F5344CB8AC3E}">
+        <p14:creationId xmlns:p14="http://schemas.microsoft.com/office/powerpoint/2010/main" val="2413063456"/>
+      </p:ext>
+    </p:extLst>
+  </p:cSld>
+  <p:clrMapOvr>
+    <a:masterClrMapping/>
+  </p:clrMapOvr>
+</p:sld>
+</file>
+
 <file path=ppt/slides/slide2.xml><?xml version="1.0" encoding="utf-8"?>
 <p:sld xmlns:a="http://schemas.openxmlformats.org/drawingml/2006/main" xmlns:r="http://schemas.openxmlformats.org/officeDocument/2006/relationships" xmlns:p="http://schemas.openxmlformats.org/presentationml/2006/main">
   <p:cSld>
@@ -3438,7 +3537,7 @@
           <p:cNvPr id="2" name="Title 1">
             <a:extLst>
               <a:ext uri="{FF2B5EF4-FFF2-40B4-BE49-F238E27FC236}">
-                <a16:creationId xmlns:a16="http://schemas.microsoft.com/office/drawing/2014/main" id="{B2FCE07B-40BB-42D5-B093-448F4BE604F9}"/>
+                <a16:creationId xmlns:a16="http://schemas.microsoft.com/office/drawing/2014/main" id="{46CC78A5-16DE-4CB3-B9E2-54C660145BE6}"/>
               </a:ext>
             </a:extLst>
           </p:cNvPr>
@@ -3456,7 +3555,7 @@
           <a:p>
             <a:r>
               <a:rPr lang="en-US" dirty="0"/>
-              <a:t>Binary Serialization</a:t>
+              <a:t>Overview</a:t>
             </a:r>
           </a:p>
         </p:txBody>
@@ -3466,7 +3565,7 @@
           <p:cNvPr id="3" name="Content Placeholder 2">
             <a:extLst>
               <a:ext uri="{FF2B5EF4-FFF2-40B4-BE49-F238E27FC236}">
-                <a16:creationId xmlns:a16="http://schemas.microsoft.com/office/drawing/2014/main" id="{E72C2C41-3E65-4AB3-AD73-32D53073AA6B}"/>
+                <a16:creationId xmlns:a16="http://schemas.microsoft.com/office/drawing/2014/main" id="{58DA8CE0-D944-470E-BD8B-3F83E6D6DC96}"/>
               </a:ext>
             </a:extLst>
           </p:cNvPr>
@@ -3479,82 +3578,51 @@
         </p:nvSpPr>
         <p:spPr/>
         <p:txBody>
-          <a:bodyPr>
-            <a:normAutofit lnSpcReduction="10000"/>
-          </a:bodyPr>
-          <a:lstStyle/>
-          <a:p>
-            <a:r>
-              <a:rPr lang="en-US" dirty="0"/>
-              <a:t>Any type marked with </a:t>
-            </a:r>
-            <a:r>
-              <a:rPr lang="en-US" dirty="0" err="1"/>
-              <a:t>SerializableAttribute</a:t>
-            </a:r>
-            <a:r>
-              <a:rPr lang="en-US" dirty="0"/>
-              <a:t> can be serialized</a:t>
-            </a:r>
-          </a:p>
-          <a:p>
-            <a:r>
-              <a:rPr lang="en-US" dirty="0"/>
-              <a:t>Restricted by Assembly version and Type</a:t>
-            </a:r>
-          </a:p>
-          <a:p>
-            <a:r>
-              <a:rPr lang="en-US" b="1" dirty="0"/>
-              <a:t>Constructors are not called on Deserialization by default!</a:t>
-            </a:r>
-          </a:p>
-          <a:p>
-            <a:r>
-              <a:rPr lang="en-US" dirty="0"/>
-              <a:t>Custom Deserialization is allowed and can mitigate issues</a:t>
-            </a:r>
-          </a:p>
-          <a:p>
-            <a:pPr lvl="1"/>
-            <a:r>
-              <a:rPr lang="en-US" dirty="0"/>
-              <a:t>Allows for custom logic when deserializing, as well as a constructor</a:t>
-            </a:r>
-          </a:p>
-          <a:p>
-            <a:pPr lvl="1"/>
-            <a:r>
-              <a:rPr lang="en-US" dirty="0"/>
-              <a:t>Requires implementing </a:t>
-            </a:r>
-            <a:r>
-              <a:rPr lang="en-US" dirty="0" err="1"/>
-              <a:t>ISerializable</a:t>
-            </a:r>
-            <a:r>
-              <a:rPr lang="en-US" dirty="0"/>
-              <a:t> and manually serializing/deserializing as well</a:t>
-            </a:r>
-          </a:p>
-          <a:p>
-            <a:r>
-              <a:rPr lang="en-US" dirty="0"/>
-              <a:t>Careful about dirty tracking in cached entities</a:t>
-            </a:r>
-          </a:p>
-          <a:p>
-            <a:pPr lvl="1"/>
-            <a:r>
-              <a:rPr lang="en-US" dirty="0"/>
-              <a:t>Accidental updates can occur</a:t>
-            </a:r>
-          </a:p>
-          <a:p>
-            <a:pPr lvl="1"/>
-            <a:r>
-              <a:rPr lang="en-US" dirty="0"/>
-              <a:t>Bad logic caused all dates to be dirty upon deserialization</a:t>
+          <a:bodyPr/>
+          <a:lstStyle/>
+          <a:p>
+            <a:pPr marL="0" indent="0">
+              <a:buNone/>
+            </a:pPr>
+            <a:r>
+              <a:rPr lang="en-US" dirty="0"/>
+              <a:t>The common issues encountered in .NET when scaling a platform in both performance and reliability.</a:t>
+            </a:r>
+          </a:p>
+          <a:p>
+            <a:pPr marL="0" indent="0">
+              <a:buNone/>
+            </a:pPr>
+            <a:endParaRPr lang="en-US" dirty="0"/>
+          </a:p>
+          <a:p>
+            <a:r>
+              <a:rPr lang="en-US" dirty="0"/>
+              <a:t>Serialization – Binary vs JSON</a:t>
+            </a:r>
+          </a:p>
+          <a:p>
+            <a:r>
+              <a:rPr lang="en-US" dirty="0"/>
+              <a:t>Organizing caches</a:t>
+            </a:r>
+          </a:p>
+          <a:p>
+            <a:r>
+              <a:rPr lang="en-US" dirty="0"/>
+              <a:t>Memory Usage</a:t>
+            </a:r>
+          </a:p>
+          <a:p>
+            <a:r>
+              <a:rPr lang="en-US" dirty="0"/>
+              <a:t>CPU Usage</a:t>
+            </a:r>
+          </a:p>
+          <a:p>
+            <a:r>
+              <a:rPr lang="en-US" dirty="0"/>
+              <a:t>Proper Reflection</a:t>
             </a:r>
           </a:p>
         </p:txBody>
@@ -3562,7 +3630,7 @@
     </p:spTree>
     <p:extLst>
       <p:ext uri="{BB962C8B-B14F-4D97-AF65-F5344CB8AC3E}">
-        <p14:creationId xmlns:p14="http://schemas.microsoft.com/office/powerpoint/2010/main" val="4012172054"/>
+        <p14:creationId xmlns:p14="http://schemas.microsoft.com/office/powerpoint/2010/main" val="4104504715"/>
       </p:ext>
     </p:extLst>
   </p:cSld>
@@ -3594,7 +3662,7 @@
           <p:cNvPr id="2" name="Title 1">
             <a:extLst>
               <a:ext uri="{FF2B5EF4-FFF2-40B4-BE49-F238E27FC236}">
-                <a16:creationId xmlns:a16="http://schemas.microsoft.com/office/drawing/2014/main" id="{E40B7A15-F263-4812-AA6B-CA3B53326ACD}"/>
+                <a16:creationId xmlns:a16="http://schemas.microsoft.com/office/drawing/2014/main" id="{B2FCE07B-40BB-42D5-B093-448F4BE604F9}"/>
               </a:ext>
             </a:extLst>
           </p:cNvPr>
@@ -3612,7 +3680,7 @@
           <a:p>
             <a:r>
               <a:rPr lang="en-US" dirty="0"/>
-              <a:t>Migrating Binary Serialization To JSON</a:t>
+              <a:t>Binary Serialization</a:t>
             </a:r>
           </a:p>
         </p:txBody>
@@ -3622,7 +3690,7 @@
           <p:cNvPr id="3" name="Content Placeholder 2">
             <a:extLst>
               <a:ext uri="{FF2B5EF4-FFF2-40B4-BE49-F238E27FC236}">
-                <a16:creationId xmlns:a16="http://schemas.microsoft.com/office/drawing/2014/main" id="{B53C76D4-8C9D-4DA9-B3D8-572E4E9BDCD2}"/>
+                <a16:creationId xmlns:a16="http://schemas.microsoft.com/office/drawing/2014/main" id="{E72C2C41-3E65-4AB3-AD73-32D53073AA6B}"/>
               </a:ext>
             </a:extLst>
           </p:cNvPr>
@@ -3635,66 +3703,90 @@
         </p:nvSpPr>
         <p:spPr/>
         <p:txBody>
-          <a:bodyPr/>
-          <a:lstStyle/>
-          <a:p>
-            <a:r>
-              <a:rPr lang="en-US" dirty="0"/>
-              <a:t>Mark class with BOTH Serializable and </a:t>
+          <a:bodyPr>
+            <a:normAutofit lnSpcReduction="10000"/>
+          </a:bodyPr>
+          <a:lstStyle/>
+          <a:p>
+            <a:r>
+              <a:rPr lang="en-US" dirty="0"/>
+              <a:t>Any type marked with </a:t>
             </a:r>
             <a:r>
               <a:rPr lang="en-US" dirty="0" err="1"/>
-              <a:t>JSONObject</a:t>
-            </a:r>
-            <a:r>
-              <a:rPr lang="en-US" dirty="0"/>
-              <a:t> (if using </a:t>
+              <a:t>SerializableAttribute</a:t>
+            </a:r>
+            <a:r>
+              <a:rPr lang="en-US" dirty="0"/>
+              <a:t> can be serialized</a:t>
+            </a:r>
+          </a:p>
+          <a:p>
+            <a:r>
+              <a:rPr lang="en-US" dirty="0"/>
+              <a:t>Restricted by Assembly version and Type</a:t>
+            </a:r>
+          </a:p>
+          <a:p>
+            <a:r>
+              <a:rPr lang="en-US" b="1" dirty="0"/>
+              <a:t>Constructors are not called on Deserialization by default!</a:t>
+            </a:r>
+          </a:p>
+          <a:p>
+            <a:r>
+              <a:rPr lang="en-US" dirty="0"/>
+              <a:t>Custom Deserialization is allowed and can mitigate issues</a:t>
+            </a:r>
+          </a:p>
+          <a:p>
+            <a:pPr lvl="1"/>
+            <a:r>
+              <a:rPr lang="en-US" dirty="0"/>
+              <a:t>Allows for custom logic when deserializing, as well as a constructor</a:t>
+            </a:r>
+          </a:p>
+          <a:p>
+            <a:pPr lvl="1"/>
+            <a:r>
+              <a:rPr lang="en-US" dirty="0"/>
+              <a:t>Requires implementing </a:t>
             </a:r>
             <a:r>
               <a:rPr lang="en-US" dirty="0" err="1"/>
-              <a:t>NewtonSoft</a:t>
-            </a:r>
-            <a:r>
-              <a:rPr lang="en-US" dirty="0"/>
-              <a:t>) attributes</a:t>
-            </a:r>
-          </a:p>
-          <a:p>
-            <a:r>
-              <a:rPr lang="en-US" dirty="0"/>
-              <a:t>By default, </a:t>
-            </a:r>
-            <a:r>
-              <a:rPr lang="en-US" dirty="0" err="1"/>
-              <a:t>NewtonSoft</a:t>
-            </a:r>
-            <a:r>
-              <a:rPr lang="en-US" dirty="0"/>
-              <a:t> will serialize backing fields differently on objects with only Serializable attribute</a:t>
+              <a:t>ISerializable</a:t>
+            </a:r>
+            <a:r>
+              <a:rPr lang="en-US" dirty="0"/>
+              <a:t> and manually serializing/deserializing as well</a:t>
+            </a:r>
+          </a:p>
+          <a:p>
+            <a:r>
+              <a:rPr lang="en-US" dirty="0"/>
+              <a:t>Careful about dirty tracking in cached entities</a:t>
             </a:r>
           </a:p>
           <a:p>
             <a:pPr lvl="1"/>
             <a:r>
               <a:rPr lang="en-US" dirty="0"/>
-              <a:t>This seems to have changed; however it should still go through a migration to guarantee proper JSON and not affect binary Serialization.</a:t>
-            </a:r>
-          </a:p>
-          <a:p>
-            <a:r>
-              <a:rPr lang="en-US" dirty="0"/>
-              <a:t>When binary serialization is guaranteed to not be needed, remove Serializable attribute</a:t>
-            </a:r>
-          </a:p>
-          <a:p>
-            <a:endParaRPr lang="en-US" dirty="0"/>
+              <a:t>Accidental updates can occur</a:t>
+            </a:r>
+          </a:p>
+          <a:p>
+            <a:pPr lvl="1"/>
+            <a:r>
+              <a:rPr lang="en-US" dirty="0"/>
+              <a:t>Bad logic caused all dates to be dirty upon deserialization</a:t>
+            </a:r>
           </a:p>
         </p:txBody>
       </p:sp>
     </p:spTree>
     <p:extLst>
       <p:ext uri="{BB962C8B-B14F-4D97-AF65-F5344CB8AC3E}">
-        <p14:creationId xmlns:p14="http://schemas.microsoft.com/office/powerpoint/2010/main" val="4259611626"/>
+        <p14:creationId xmlns:p14="http://schemas.microsoft.com/office/powerpoint/2010/main" val="4012172054"/>
       </p:ext>
     </p:extLst>
   </p:cSld>
@@ -3726,7 +3818,7 @@
           <p:cNvPr id="2" name="Title 1">
             <a:extLst>
               <a:ext uri="{FF2B5EF4-FFF2-40B4-BE49-F238E27FC236}">
-                <a16:creationId xmlns:a16="http://schemas.microsoft.com/office/drawing/2014/main" id="{2589C61B-3075-4D8F-872D-EFF957C6C61A}"/>
+                <a16:creationId xmlns:a16="http://schemas.microsoft.com/office/drawing/2014/main" id="{E40B7A15-F263-4812-AA6B-CA3B53326ACD}"/>
               </a:ext>
             </a:extLst>
           </p:cNvPr>
@@ -3744,7 +3836,7 @@
           <a:p>
             <a:r>
               <a:rPr lang="en-US" dirty="0"/>
-              <a:t>Organizing Cache</a:t>
+              <a:t>Migrating Binary Serialization To JSON</a:t>
             </a:r>
           </a:p>
         </p:txBody>
@@ -3754,7 +3846,7 @@
           <p:cNvPr id="3" name="Content Placeholder 2">
             <a:extLst>
               <a:ext uri="{FF2B5EF4-FFF2-40B4-BE49-F238E27FC236}">
-                <a16:creationId xmlns:a16="http://schemas.microsoft.com/office/drawing/2014/main" id="{419F486A-36CF-419E-BCCD-51B29B887DFF}"/>
+                <a16:creationId xmlns:a16="http://schemas.microsoft.com/office/drawing/2014/main" id="{B53C76D4-8C9D-4DA9-B3D8-572E4E9BDCD2}"/>
               </a:ext>
             </a:extLst>
           </p:cNvPr>
@@ -3767,82 +3859,66 @@
         </p:nvSpPr>
         <p:spPr/>
         <p:txBody>
-          <a:bodyPr>
-            <a:normAutofit lnSpcReduction="10000"/>
-          </a:bodyPr>
-          <a:lstStyle/>
-          <a:p>
-            <a:r>
-              <a:rPr lang="en-US" dirty="0"/>
-              <a:t>Sharing caches servers across environments requires some unique identifier</a:t>
+          <a:bodyPr/>
+          <a:lstStyle/>
+          <a:p>
+            <a:r>
+              <a:rPr lang="en-US" dirty="0"/>
+              <a:t>Mark class with BOTH Serializable and </a:t>
+            </a:r>
+            <a:r>
+              <a:rPr lang="en-US" dirty="0" err="1"/>
+              <a:t>JSONObject</a:t>
+            </a:r>
+            <a:r>
+              <a:rPr lang="en-US" dirty="0"/>
+              <a:t> (if using </a:t>
+            </a:r>
+            <a:r>
+              <a:rPr lang="en-US" dirty="0" err="1"/>
+              <a:t>NewtonSoft</a:t>
+            </a:r>
+            <a:r>
+              <a:rPr lang="en-US" dirty="0"/>
+              <a:t>) attributes</a:t>
+            </a:r>
+          </a:p>
+          <a:p>
+            <a:r>
+              <a:rPr lang="en-US" dirty="0"/>
+              <a:t>By default, </a:t>
+            </a:r>
+            <a:r>
+              <a:rPr lang="en-US" dirty="0" err="1"/>
+              <a:t>NewtonSoft</a:t>
+            </a:r>
+            <a:r>
+              <a:rPr lang="en-US" dirty="0"/>
+              <a:t> will serialize backing fields differently on objects with only Serializable attribute</a:t>
             </a:r>
           </a:p>
           <a:p>
             <a:pPr lvl="1"/>
             <a:r>
               <a:rPr lang="en-US" dirty="0"/>
-              <a:t>Prefix for each environment for example</a:t>
-            </a:r>
-          </a:p>
-          <a:p>
-            <a:pPr lvl="1"/>
-            <a:r>
-              <a:rPr lang="en-US" dirty="0"/>
-              <a:t>Prefix here would be a global prefix for EVERY cache</a:t>
-            </a:r>
-          </a:p>
-          <a:p>
-            <a:pPr lvl="1"/>
-            <a:r>
-              <a:rPr lang="en-US" dirty="0"/>
-              <a:t>Test for test environment for example</a:t>
-            </a:r>
-          </a:p>
-          <a:p>
-            <a:r>
-              <a:rPr lang="en-US" dirty="0"/>
-              <a:t>Some unique identifier for each type of cache</a:t>
-            </a:r>
-          </a:p>
-          <a:p>
-            <a:pPr lvl="1"/>
-            <a:r>
-              <a:rPr lang="en-US" dirty="0"/>
-              <a:t>Entity caches keys prefixed with entity’s name</a:t>
-            </a:r>
-          </a:p>
-          <a:p>
-            <a:r>
-              <a:rPr lang="en-US" dirty="0"/>
-              <a:t>Still need to define a unique key for each individual entity as well</a:t>
-            </a:r>
-          </a:p>
-          <a:p>
-            <a:pPr lvl="1"/>
-            <a:r>
-              <a:rPr lang="en-US" dirty="0"/>
-              <a:t>IDs are a great idea for completely unique keys</a:t>
-            </a:r>
-          </a:p>
-          <a:p>
-            <a:pPr lvl="1"/>
-            <a:r>
-              <a:rPr lang="en-US" dirty="0"/>
-              <a:t>Combined with the other prefixes, there will never be a collision</a:t>
-            </a:r>
-          </a:p>
-          <a:p>
-            <a:r>
-              <a:rPr lang="en-US" dirty="0"/>
-              <a:t>Test_Builders_1 for example</a:t>
-            </a:r>
+              <a:t>This seems to have changed; however it should still go through a migration to guarantee proper JSON and not affect binary Serialization.</a:t>
+            </a:r>
+          </a:p>
+          <a:p>
+            <a:r>
+              <a:rPr lang="en-US" dirty="0"/>
+              <a:t>When binary serialization is guaranteed to not be needed, remove Serializable attribute</a:t>
+            </a:r>
+          </a:p>
+          <a:p>
+            <a:endParaRPr lang="en-US" dirty="0"/>
           </a:p>
         </p:txBody>
       </p:sp>
     </p:spTree>
     <p:extLst>
       <p:ext uri="{BB962C8B-B14F-4D97-AF65-F5344CB8AC3E}">
-        <p14:creationId xmlns:p14="http://schemas.microsoft.com/office/powerpoint/2010/main" val="1395012348"/>
+        <p14:creationId xmlns:p14="http://schemas.microsoft.com/office/powerpoint/2010/main" val="4259611626"/>
       </p:ext>
     </p:extLst>
   </p:cSld>
@@ -3874,7 +3950,7 @@
           <p:cNvPr id="2" name="Title 1">
             <a:extLst>
               <a:ext uri="{FF2B5EF4-FFF2-40B4-BE49-F238E27FC236}">
-                <a16:creationId xmlns:a16="http://schemas.microsoft.com/office/drawing/2014/main" id="{265A2F3F-EF83-4394-88C7-61035C12D44D}"/>
+                <a16:creationId xmlns:a16="http://schemas.microsoft.com/office/drawing/2014/main" id="{2589C61B-3075-4D8F-872D-EFF957C6C61A}"/>
               </a:ext>
             </a:extLst>
           </p:cNvPr>
@@ -3892,7 +3968,7 @@
           <a:p>
             <a:r>
               <a:rPr lang="en-US" dirty="0"/>
-              <a:t>Memory Usage – Common Issues</a:t>
+              <a:t>Organizing Cache</a:t>
             </a:r>
           </a:p>
         </p:txBody>
@@ -3902,7 +3978,7 @@
           <p:cNvPr id="3" name="Content Placeholder 2">
             <a:extLst>
               <a:ext uri="{FF2B5EF4-FFF2-40B4-BE49-F238E27FC236}">
-                <a16:creationId xmlns:a16="http://schemas.microsoft.com/office/drawing/2014/main" id="{E99FCB65-29B4-4914-A44C-650D78ACAB69}"/>
+                <a16:creationId xmlns:a16="http://schemas.microsoft.com/office/drawing/2014/main" id="{419F486A-36CF-419E-BCCD-51B29B887DFF}"/>
               </a:ext>
             </a:extLst>
           </p:cNvPr>
@@ -3922,110 +3998,75 @@
           <a:p>
             <a:r>
               <a:rPr lang="en-US" dirty="0"/>
-              <a:t>Delegates</a:t>
+              <a:t>Sharing caches servers across environments requires some unique identifier</a:t>
             </a:r>
           </a:p>
           <a:p>
             <a:pPr lvl="1"/>
             <a:r>
               <a:rPr lang="en-US" dirty="0"/>
-              <a:t>Delegates have to be reevaluated every time when created from a method</a:t>
+              <a:t>Prefix for each environment for example</a:t>
             </a:r>
           </a:p>
           <a:p>
             <a:pPr lvl="1"/>
             <a:r>
               <a:rPr lang="en-US" dirty="0"/>
-              <a:t>Lambdas are cached by the runtime, only created once even in a loop</a:t>
+              <a:t>Prefix here would be a global prefix for EVERY cache</a:t>
             </a:r>
           </a:p>
           <a:p>
             <a:pPr lvl="1"/>
             <a:r>
               <a:rPr lang="en-US" dirty="0"/>
-              <a:t>Closures retain local memory until disposed, applies to both local and lambda</a:t>
-            </a:r>
-          </a:p>
-          <a:p>
-            <a:r>
-              <a:rPr lang="en-US" dirty="0"/>
-              <a:t>String concatenation</a:t>
+              <a:t>Test for test environment for example</a:t>
+            </a:r>
+          </a:p>
+          <a:p>
+            <a:r>
+              <a:rPr lang="en-US" dirty="0"/>
+              <a:t>Some unique identifier for each type of cache</a:t>
             </a:r>
           </a:p>
           <a:p>
             <a:pPr lvl="1"/>
             <a:r>
               <a:rPr lang="en-US" dirty="0"/>
-              <a:t>Manual string concatenation</a:t>
-            </a:r>
-          </a:p>
-          <a:p>
-            <a:pPr lvl="2"/>
-            <a:r>
-              <a:rPr lang="en-US" dirty="0"/>
-              <a:t>Generates a new string every time</a:t>
-            </a:r>
-          </a:p>
-          <a:p>
-            <a:pPr lvl="2"/>
-            <a:r>
-              <a:rPr lang="en-US" dirty="0"/>
-              <a:t>Excessive garbage collection/memory usage is possible</a:t>
+              <a:t>Entity caches keys prefixed with entity’s name</a:t>
+            </a:r>
+          </a:p>
+          <a:p>
+            <a:r>
+              <a:rPr lang="en-US" dirty="0"/>
+              <a:t>Still need to define a unique key for each individual entity as well</a:t>
             </a:r>
           </a:p>
           <a:p>
             <a:pPr lvl="1"/>
             <a:r>
               <a:rPr lang="en-US" dirty="0"/>
-              <a:t>StringBuilder</a:t>
-            </a:r>
-          </a:p>
-          <a:p>
-            <a:pPr lvl="2"/>
-            <a:r>
-              <a:rPr lang="en-US" dirty="0"/>
-              <a:t>Collection of smaller strings</a:t>
-            </a:r>
-          </a:p>
-          <a:p>
-            <a:pPr lvl="2"/>
-            <a:r>
-              <a:rPr lang="en-US" dirty="0"/>
-              <a:t>Combined upon calling </a:t>
-            </a:r>
-            <a:r>
-              <a:rPr lang="en-US" dirty="0" err="1"/>
-              <a:t>ToString</a:t>
-            </a:r>
-            <a:endParaRPr lang="en-US" dirty="0"/>
-          </a:p>
-          <a:p>
-            <a:pPr lvl="2"/>
-            <a:r>
-              <a:rPr lang="en-US" dirty="0"/>
-              <a:t>Much efficient than individual String concatenation</a:t>
-            </a:r>
-          </a:p>
-          <a:p>
-            <a:pPr marL="914400" lvl="2" indent="0">
-              <a:buNone/>
-            </a:pPr>
-            <a:endParaRPr lang="en-US" dirty="0"/>
-          </a:p>
-          <a:p>
-            <a:pPr lvl="2"/>
-            <a:endParaRPr lang="en-US" dirty="0"/>
+              <a:t>IDs are a great idea for completely unique keys</a:t>
+            </a:r>
           </a:p>
           <a:p>
             <a:pPr lvl="1"/>
-            <a:endParaRPr lang="en-US" dirty="0"/>
+            <a:r>
+              <a:rPr lang="en-US" dirty="0"/>
+              <a:t>Combined with the other prefixes, there will never be a collision</a:t>
+            </a:r>
+          </a:p>
+          <a:p>
+            <a:r>
+              <a:rPr lang="en-US" dirty="0"/>
+              <a:t>Test_Builders_1 for example</a:t>
+            </a:r>
           </a:p>
         </p:txBody>
       </p:sp>
     </p:spTree>
     <p:extLst>
       <p:ext uri="{BB962C8B-B14F-4D97-AF65-F5344CB8AC3E}">
-        <p14:creationId xmlns:p14="http://schemas.microsoft.com/office/powerpoint/2010/main" val="3871387363"/>
+        <p14:creationId xmlns:p14="http://schemas.microsoft.com/office/powerpoint/2010/main" val="1395012348"/>
       </p:ext>
     </p:extLst>
   </p:cSld>
@@ -4057,7 +4098,7 @@
           <p:cNvPr id="2" name="Title 1">
             <a:extLst>
               <a:ext uri="{FF2B5EF4-FFF2-40B4-BE49-F238E27FC236}">
-                <a16:creationId xmlns:a16="http://schemas.microsoft.com/office/drawing/2014/main" id="{A036A0FC-AECB-4B7A-A109-3BBC1CB80C97}"/>
+                <a16:creationId xmlns:a16="http://schemas.microsoft.com/office/drawing/2014/main" id="{265A2F3F-EF83-4394-88C7-61035C12D44D}"/>
               </a:ext>
             </a:extLst>
           </p:cNvPr>
@@ -4075,7 +4116,7 @@
           <a:p>
             <a:r>
               <a:rPr lang="en-US" dirty="0"/>
-              <a:t>CPU Usage – Common Issues</a:t>
+              <a:t>Memory Usage – Delegates</a:t>
             </a:r>
           </a:p>
         </p:txBody>
@@ -4085,7 +4126,7 @@
           <p:cNvPr id="3" name="Content Placeholder 2">
             <a:extLst>
               <a:ext uri="{FF2B5EF4-FFF2-40B4-BE49-F238E27FC236}">
-                <a16:creationId xmlns:a16="http://schemas.microsoft.com/office/drawing/2014/main" id="{797A1A99-3032-444D-928F-D806090EAFD8}"/>
+                <a16:creationId xmlns:a16="http://schemas.microsoft.com/office/drawing/2014/main" id="{E99FCB65-29B4-4914-A44C-650D78ACAB69}"/>
               </a:ext>
             </a:extLst>
           </p:cNvPr>
@@ -4099,109 +4140,36 @@
         <p:spPr/>
         <p:txBody>
           <a:bodyPr>
-            <a:normAutofit fontScale="92500" lnSpcReduction="10000"/>
+            <a:normAutofit/>
           </a:bodyPr>
           <a:lstStyle/>
           <a:p>
             <a:r>
               <a:rPr lang="en-US" dirty="0"/>
-              <a:t>Understand the O(n) when using Delegates</a:t>
-            </a:r>
-          </a:p>
-          <a:p>
-            <a:pPr lvl="1"/>
-            <a:r>
-              <a:rPr lang="en-US" dirty="0"/>
-              <a:t>Loops can cause significant performance issues with delegates</a:t>
-            </a:r>
+              <a:t>Delegates have to be reevaluated every time when created from a method</a:t>
+            </a:r>
+          </a:p>
+          <a:p>
+            <a:r>
+              <a:rPr lang="en-US" dirty="0"/>
+              <a:t>Lambdas are cached by the runtime, only created once even in a loop</a:t>
+            </a:r>
+          </a:p>
+          <a:p>
+            <a:r>
+              <a:rPr lang="en-US" dirty="0"/>
+              <a:t>Closures retain local memory until disposed, applies to both local and lambda</a:t>
+            </a:r>
+          </a:p>
+          <a:p>
+            <a:pPr marL="914400" lvl="2" indent="0">
+              <a:buNone/>
+            </a:pPr>
+            <a:endParaRPr lang="en-US" dirty="0"/>
           </a:p>
           <a:p>
             <a:pPr lvl="2"/>
-            <a:r>
-              <a:rPr lang="en-US" dirty="0"/>
-              <a:t>Had a delegate used in a loop, where it had nested loops</a:t>
-            </a:r>
-          </a:p>
-          <a:p>
-            <a:pPr lvl="2"/>
-            <a:r>
-              <a:rPr lang="en-US" dirty="0"/>
-              <a:t>Caused O(n) = n</a:t>
-            </a:r>
-            <a:r>
-              <a:rPr lang="en-US" baseline="30000" dirty="0"/>
-              <a:t>3</a:t>
-            </a:r>
-          </a:p>
-          <a:p>
-            <a:r>
-              <a:rPr lang="en-US" dirty="0"/>
-              <a:t>HashSet vs List, avoid List for Contains checks</a:t>
-            </a:r>
-          </a:p>
-          <a:p>
-            <a:pPr lvl="1"/>
-            <a:r>
-              <a:rPr lang="en-US" dirty="0"/>
-              <a:t>List guarantees order but results in n operations to find items in the list</a:t>
-            </a:r>
-          </a:p>
-          <a:p>
-            <a:pPr lvl="1"/>
-            <a:r>
-              <a:rPr lang="en-US" dirty="0"/>
-              <a:t>HashSet takes more space, is out of order, but is “instant” to find items</a:t>
-            </a:r>
-          </a:p>
-          <a:p>
-            <a:pPr lvl="1"/>
-            <a:r>
-              <a:rPr lang="en-US" dirty="0"/>
-              <a:t>Requires Equals and </a:t>
-            </a:r>
-            <a:r>
-              <a:rPr lang="en-US" dirty="0" err="1"/>
-              <a:t>GetHashCode</a:t>
-            </a:r>
-            <a:r>
-              <a:rPr lang="en-US" dirty="0"/>
-              <a:t> implementations for HashSet</a:t>
-            </a:r>
-          </a:p>
-          <a:p>
-            <a:r>
-              <a:rPr lang="en-US" dirty="0"/>
-              <a:t>Use </a:t>
-            </a:r>
-            <a:r>
-              <a:rPr lang="en-US" dirty="0" err="1"/>
-              <a:t>ILookup</a:t>
-            </a:r>
-            <a:r>
-              <a:rPr lang="en-US" dirty="0"/>
-              <a:t> for organizing single key to multiple value data</a:t>
-            </a:r>
-          </a:p>
-          <a:p>
-            <a:pPr lvl="1"/>
-            <a:r>
-              <a:rPr lang="en-US" dirty="0"/>
-              <a:t>Easy way to find multiple elements by a single key</a:t>
-            </a:r>
-          </a:p>
-          <a:p>
-            <a:pPr lvl="1"/>
-            <a:r>
-              <a:rPr lang="en-US" dirty="0"/>
-              <a:t>Performance comparable to Dictionary</a:t>
-            </a:r>
-          </a:p>
-          <a:p>
-            <a:pPr lvl="1"/>
-            <a:r>
-              <a:rPr lang="en-US" b="1" dirty="0"/>
-              <a:t>Do not search lists repeatedly if you can define a key</a:t>
-            </a:r>
+            <a:endParaRPr lang="en-US" dirty="0"/>
           </a:p>
           <a:p>
             <a:pPr lvl="1"/>
@@ -4209,10 +4177,40 @@
           </a:p>
         </p:txBody>
       </p:sp>
+      <p:pic>
+        <p:nvPicPr>
+          <p:cNvPr id="5" name="Picture 4">
+            <a:extLst>
+              <a:ext uri="{FF2B5EF4-FFF2-40B4-BE49-F238E27FC236}">
+                <a16:creationId xmlns:a16="http://schemas.microsoft.com/office/drawing/2014/main" id="{7D368F25-647C-460A-879C-94691F7D5773}"/>
+              </a:ext>
+            </a:extLst>
+          </p:cNvPr>
+          <p:cNvPicPr>
+            <a:picLocks noChangeAspect="1"/>
+          </p:cNvPicPr>
+          <p:nvPr/>
+        </p:nvPicPr>
+        <p:blipFill>
+          <a:blip r:embed="rId2"/>
+          <a:stretch>
+            <a:fillRect/>
+          </a:stretch>
+        </p:blipFill>
+        <p:spPr>
+          <a:xfrm>
+            <a:off x="0" y="4384165"/>
+            <a:ext cx="12219658" cy="2473835"/>
+          </a:xfrm>
+          <a:prstGeom prst="rect">
+            <a:avLst/>
+          </a:prstGeom>
+        </p:spPr>
+      </p:pic>
     </p:spTree>
     <p:extLst>
       <p:ext uri="{BB962C8B-B14F-4D97-AF65-F5344CB8AC3E}">
-        <p14:creationId xmlns:p14="http://schemas.microsoft.com/office/powerpoint/2010/main" val="3836759782"/>
+        <p14:creationId xmlns:p14="http://schemas.microsoft.com/office/powerpoint/2010/main" val="3871387363"/>
       </p:ext>
     </p:extLst>
   </p:cSld>
@@ -4244,7 +4242,7 @@
           <p:cNvPr id="2" name="Title 1">
             <a:extLst>
               <a:ext uri="{FF2B5EF4-FFF2-40B4-BE49-F238E27FC236}">
-                <a16:creationId xmlns:a16="http://schemas.microsoft.com/office/drawing/2014/main" id="{A17F9FE9-3D79-417D-BE6E-F08E4EFB2EB1}"/>
+                <a16:creationId xmlns:a16="http://schemas.microsoft.com/office/drawing/2014/main" id="{6FF557B0-5C46-4FA4-80E3-AC4D5209FFDA}"/>
               </a:ext>
             </a:extLst>
           </p:cNvPr>
@@ -4262,7 +4260,7 @@
           <a:p>
             <a:r>
               <a:rPr lang="en-US" dirty="0"/>
-              <a:t>Reflection Tips And Tricks</a:t>
+              <a:t>Memory Usage – String Concatenation</a:t>
             </a:r>
           </a:p>
         </p:txBody>
@@ -4272,7 +4270,7 @@
           <p:cNvPr id="3" name="Content Placeholder 2">
             <a:extLst>
               <a:ext uri="{FF2B5EF4-FFF2-40B4-BE49-F238E27FC236}">
-                <a16:creationId xmlns:a16="http://schemas.microsoft.com/office/drawing/2014/main" id="{CEF8DD17-0DBF-4F55-AA9E-49C4770A4346}"/>
+                <a16:creationId xmlns:a16="http://schemas.microsoft.com/office/drawing/2014/main" id="{97FC3288-0010-465F-A6C1-4C6BB45DD5ED}"/>
               </a:ext>
             </a:extLst>
           </p:cNvPr>
@@ -4285,161 +4283,76 @@
         </p:nvSpPr>
         <p:spPr/>
         <p:txBody>
-          <a:bodyPr>
-            <a:normAutofit fontScale="92500" lnSpcReduction="10000"/>
-          </a:bodyPr>
-          <a:lstStyle/>
-          <a:p>
+          <a:bodyPr/>
+          <a:lstStyle/>
+          <a:p>
+            <a:r>
+              <a:rPr lang="en-US" dirty="0"/>
+              <a:t>Manual string concatenation</a:t>
+            </a:r>
+          </a:p>
+          <a:p>
+            <a:pPr lvl="1"/>
+            <a:r>
+              <a:rPr lang="en-US" dirty="0"/>
+              <a:t>Generates a new string every time</a:t>
+            </a:r>
+          </a:p>
+          <a:p>
+            <a:pPr lvl="1"/>
+            <a:r>
+              <a:rPr lang="en-US" dirty="0"/>
+              <a:t>Excessive garbage collection/memory usage is possible</a:t>
+            </a:r>
+          </a:p>
+          <a:p>
+            <a:pPr lvl="1"/>
+            <a:r>
+              <a:rPr lang="en-US" dirty="0"/>
+              <a:t>Immutable!</a:t>
+            </a:r>
+          </a:p>
+          <a:p>
+            <a:r>
+              <a:rPr lang="en-US" dirty="0"/>
+              <a:t>StringBuilder</a:t>
+            </a:r>
+          </a:p>
+          <a:p>
+            <a:pPr lvl="1"/>
+            <a:r>
+              <a:rPr lang="en-US" dirty="0"/>
+              <a:t>Collection of smaller strings</a:t>
+            </a:r>
+          </a:p>
+          <a:p>
+            <a:pPr lvl="1"/>
+            <a:r>
+              <a:rPr lang="en-US" dirty="0"/>
+              <a:t>Combined upon calling </a:t>
+            </a:r>
             <a:r>
               <a:rPr lang="en-US" dirty="0" err="1"/>
-              <a:t>IsAssignableFrom</a:t>
-            </a:r>
-            <a:r>
-              <a:rPr lang="en-US" dirty="0"/>
-              <a:t>, </a:t>
-            </a:r>
-            <a:r>
-              <a:rPr lang="en-US" dirty="0" err="1"/>
-              <a:t>IsInstanceOfType</a:t>
-            </a:r>
-            <a:r>
-              <a:rPr lang="en-US" dirty="0"/>
-              <a:t> or is operator </a:t>
-            </a:r>
+              <a:t>ToString</a:t>
+            </a:r>
+            <a:endParaRPr lang="en-US" dirty="0"/>
           </a:p>
           <a:p>
             <a:pPr lvl="1"/>
             <a:r>
               <a:rPr lang="en-US" dirty="0"/>
-              <a:t>Best way to check types</a:t>
-            </a:r>
-          </a:p>
-          <a:p>
-            <a:pPr lvl="1"/>
-            <a:r>
-              <a:rPr lang="en-US" dirty="0" err="1"/>
-              <a:t>Type.Equals</a:t>
-            </a:r>
-            <a:r>
-              <a:rPr lang="en-US" dirty="0"/>
-              <a:t> will restrict to exact type information</a:t>
-            </a:r>
-          </a:p>
-          <a:p>
-            <a:pPr lvl="1"/>
-            <a:r>
-              <a:rPr lang="en-US" dirty="0" err="1"/>
-              <a:t>Type.GetInterfaces</a:t>
-            </a:r>
-            <a:r>
-              <a:rPr lang="en-US" dirty="0"/>
-              <a:t> is very slow in comparison</a:t>
-            </a:r>
-          </a:p>
-          <a:p>
-            <a:r>
-              <a:rPr lang="en-US" dirty="0"/>
-              <a:t>Cache anything that will commonly be used with reflection!</a:t>
-            </a:r>
-          </a:p>
-          <a:p>
-            <a:pPr lvl="1"/>
-            <a:r>
-              <a:rPr lang="en-US" dirty="0"/>
-              <a:t>.NET will implicitly cache type information, but if it is seldomly used then it may end up disposed.</a:t>
-            </a:r>
-          </a:p>
-          <a:p>
-            <a:pPr lvl="1"/>
-            <a:r>
-              <a:rPr lang="en-US" dirty="0"/>
-              <a:t>Things like Type and specific members could be cached in memory</a:t>
-            </a:r>
-          </a:p>
-          <a:p>
-            <a:r>
-              <a:rPr lang="en-US" dirty="0"/>
-              <a:t>Obviously avoid reflection, but be aware that OOP rules are broken</a:t>
-            </a:r>
-          </a:p>
-          <a:p>
-            <a:pPr lvl="1"/>
-            <a:r>
-              <a:rPr lang="en-US" dirty="0"/>
-              <a:t>Allowed to set private/protected/internal fields, properties and invoke methods</a:t>
-            </a:r>
-          </a:p>
-          <a:p>
-            <a:r>
-              <a:rPr lang="en-US" dirty="0"/>
-              <a:t>Custom Attributes can be checked by </a:t>
-            </a:r>
-            <a:r>
-              <a:rPr lang="en-US" dirty="0" err="1"/>
-              <a:t>GetCustomAttribute</a:t>
-            </a:r>
+              <a:t>Much efficient than individual String concatenation</a:t>
+            </a:r>
+          </a:p>
+          <a:p>
             <a:endParaRPr lang="en-US" dirty="0"/>
           </a:p>
-          <a:p>
-            <a:pPr lvl="1"/>
-            <a:r>
-              <a:rPr lang="en-US" dirty="0"/>
-              <a:t>Extension in </a:t>
-            </a:r>
-            <a:r>
-              <a:rPr lang="en-US" dirty="0" err="1"/>
-              <a:t>System.Reflection</a:t>
-            </a:r>
-            <a:r>
-              <a:rPr lang="en-US" dirty="0"/>
-              <a:t> namespace</a:t>
-            </a:r>
-          </a:p>
-        </p:txBody>
-      </p:sp>
-      <p:pic>
-        <p:nvPicPr>
-          <p:cNvPr id="4" name="Picture 3">
-            <a:extLst>
-              <a:ext uri="{FF2B5EF4-FFF2-40B4-BE49-F238E27FC236}">
-                <a16:creationId xmlns:a16="http://schemas.microsoft.com/office/drawing/2014/main" id="{54BBA219-BCA3-4D03-965B-0CBEF257D46F}"/>
-              </a:ext>
-            </a:extLst>
-          </p:cNvPr>
-          <p:cNvPicPr>
-            <a:picLocks noChangeAspect="1"/>
-          </p:cNvPicPr>
-          <p:nvPr/>
-        </p:nvPicPr>
-        <p:blipFill>
-          <a:blip r:embed="rId2">
-            <a:extLst>
-              <a:ext uri="{28A0092B-C50C-407E-A947-70E740481C1C}">
-                <a14:useLocalDpi xmlns:a14="http://schemas.microsoft.com/office/drawing/2010/main" val="0"/>
-              </a:ext>
-            </a:extLst>
-          </a:blip>
-          <a:stretch>
-            <a:fillRect/>
-          </a:stretch>
-        </p:blipFill>
-        <p:spPr>
-          <a:xfrm>
-            <a:off x="8809793" y="0"/>
-            <a:ext cx="3382207" cy="3100039"/>
-          </a:xfrm>
-          <a:prstGeom prst="rect">
-            <a:avLst/>
-          </a:prstGeom>
-          <a:effectLst>
-            <a:softEdge rad="31750"/>
-          </a:effectLst>
-        </p:spPr>
-      </p:pic>
+        </p:txBody>
+      </p:sp>
     </p:spTree>
     <p:extLst>
       <p:ext uri="{BB962C8B-B14F-4D97-AF65-F5344CB8AC3E}">
-        <p14:creationId xmlns:p14="http://schemas.microsoft.com/office/powerpoint/2010/main" val="3465392253"/>
+        <p14:creationId xmlns:p14="http://schemas.microsoft.com/office/powerpoint/2010/main" val="4004830390"/>
       </p:ext>
     </p:extLst>
   </p:cSld>
@@ -4471,7 +4384,7 @@
           <p:cNvPr id="2" name="Title 1">
             <a:extLst>
               <a:ext uri="{FF2B5EF4-FFF2-40B4-BE49-F238E27FC236}">
-                <a16:creationId xmlns:a16="http://schemas.microsoft.com/office/drawing/2014/main" id="{4B92030E-F0D1-4ED2-9045-37F5A58E168A}"/>
+                <a16:creationId xmlns:a16="http://schemas.microsoft.com/office/drawing/2014/main" id="{A036A0FC-AECB-4B7A-A109-3BBC1CB80C97}"/>
               </a:ext>
             </a:extLst>
           </p:cNvPr>
@@ -4489,46 +4402,136 @@
           <a:p>
             <a:r>
               <a:rPr lang="en-US" dirty="0"/>
-              <a:t>See </a:t>
+              <a:t>CPU Usage – Common Issues</a:t>
+            </a:r>
+          </a:p>
+        </p:txBody>
+      </p:sp>
+      <p:sp>
+        <p:nvSpPr>
+          <p:cNvPr id="3" name="Content Placeholder 2">
+            <a:extLst>
+              <a:ext uri="{FF2B5EF4-FFF2-40B4-BE49-F238E27FC236}">
+                <a16:creationId xmlns:a16="http://schemas.microsoft.com/office/drawing/2014/main" id="{797A1A99-3032-444D-928F-D806090EAFD8}"/>
+              </a:ext>
+            </a:extLst>
+          </p:cNvPr>
+          <p:cNvSpPr>
+            <a:spLocks noGrp="1"/>
+          </p:cNvSpPr>
+          <p:nvPr>
+            <p:ph idx="1"/>
+          </p:nvPr>
+        </p:nvSpPr>
+        <p:spPr/>
+        <p:txBody>
+          <a:bodyPr>
+            <a:normAutofit fontScale="92500" lnSpcReduction="10000"/>
+          </a:bodyPr>
+          <a:lstStyle/>
+          <a:p>
+            <a:r>
+              <a:rPr lang="en-US" dirty="0"/>
+              <a:t>Understand the O(n) when using Delegates</a:t>
+            </a:r>
+          </a:p>
+          <a:p>
+            <a:pPr lvl="1"/>
+            <a:r>
+              <a:rPr lang="en-US" dirty="0"/>
+              <a:t>Loops can cause significant performance issues with delegates</a:t>
+            </a:r>
+          </a:p>
+          <a:p>
+            <a:pPr lvl="2"/>
+            <a:r>
+              <a:rPr lang="en-US" dirty="0"/>
+              <a:t>Had a delegate used in a loop, where it had nested loops</a:t>
+            </a:r>
+          </a:p>
+          <a:p>
+            <a:pPr lvl="2"/>
+            <a:r>
+              <a:rPr lang="en-US" dirty="0"/>
+              <a:t>Caused O(n) = n</a:t>
+            </a:r>
+            <a:r>
+              <a:rPr lang="en-US" baseline="30000" dirty="0"/>
+              <a:t>3</a:t>
+            </a:r>
+          </a:p>
+          <a:p>
+            <a:r>
+              <a:rPr lang="en-US" dirty="0"/>
+              <a:t>HashSet vs List, avoid List for Contains checks</a:t>
+            </a:r>
+          </a:p>
+          <a:p>
+            <a:pPr lvl="1"/>
+            <a:r>
+              <a:rPr lang="en-US" dirty="0"/>
+              <a:t>List guarantees order but results in n operations to find items in the list</a:t>
+            </a:r>
+          </a:p>
+          <a:p>
+            <a:pPr lvl="1"/>
+            <a:r>
+              <a:rPr lang="en-US" dirty="0"/>
+              <a:t>HashSet takes more space, is out of order, but is “instant” to find items</a:t>
+            </a:r>
+          </a:p>
+          <a:p>
+            <a:pPr lvl="1"/>
+            <a:r>
+              <a:rPr lang="en-US" dirty="0"/>
+              <a:t>Requires Equals and </a:t>
             </a:r>
             <a:r>
               <a:rPr lang="en-US" dirty="0" err="1"/>
-              <a:t>Github</a:t>
-            </a:r>
-            <a:r>
-              <a:rPr lang="en-US" dirty="0"/>
-              <a:t> for Code And Slides</a:t>
-            </a:r>
-          </a:p>
-        </p:txBody>
-      </p:sp>
-      <p:sp>
-        <p:nvSpPr>
-          <p:cNvPr id="3" name="Content Placeholder 2">
-            <a:extLst>
-              <a:ext uri="{FF2B5EF4-FFF2-40B4-BE49-F238E27FC236}">
-                <a16:creationId xmlns:a16="http://schemas.microsoft.com/office/drawing/2014/main" id="{09364EB3-7945-475D-8A88-8A7A6BE55D93}"/>
-              </a:ext>
-            </a:extLst>
-          </p:cNvPr>
-          <p:cNvSpPr>
-            <a:spLocks noGrp="1"/>
-          </p:cNvSpPr>
-          <p:nvPr>
-            <p:ph idx="1"/>
-          </p:nvPr>
-        </p:nvSpPr>
-        <p:spPr/>
-        <p:txBody>
-          <a:bodyPr/>
-          <a:lstStyle/>
-          <a:p>
-            <a:r>
-              <a:rPr lang="en-US" dirty="0">
-                <a:hlinkClick r:id="rId2"/>
-              </a:rPr>
-              <a:t>https://github.com/knodel12/Slides</a:t>
-            </a:r>
+              <a:t>GetHashCode</a:t>
+            </a:r>
+            <a:r>
+              <a:rPr lang="en-US" dirty="0"/>
+              <a:t> implementations for HashSet</a:t>
+            </a:r>
+          </a:p>
+          <a:p>
+            <a:r>
+              <a:rPr lang="en-US" dirty="0"/>
+              <a:t>Use </a:t>
+            </a:r>
+            <a:r>
+              <a:rPr lang="en-US" dirty="0" err="1"/>
+              <a:t>ILookup</a:t>
+            </a:r>
+            <a:r>
+              <a:rPr lang="en-US" dirty="0"/>
+              <a:t> for organizing single key to multiple value data</a:t>
+            </a:r>
+          </a:p>
+          <a:p>
+            <a:pPr lvl="1"/>
+            <a:r>
+              <a:rPr lang="en-US" dirty="0"/>
+              <a:t>Easy way to find multiple elements by a single key</a:t>
+            </a:r>
+          </a:p>
+          <a:p>
+            <a:pPr lvl="1"/>
+            <a:r>
+              <a:rPr lang="en-US" dirty="0"/>
+              <a:t>Performance comparable to Dictionary</a:t>
+            </a:r>
+          </a:p>
+          <a:p>
+            <a:pPr lvl="1"/>
+            <a:r>
+              <a:rPr lang="en-US" b="1" dirty="0"/>
+              <a:t>Do not search lists repeatedly if you can define a key</a:t>
+            </a:r>
+          </a:p>
+          <a:p>
+            <a:pPr lvl="1"/>
             <a:endParaRPr lang="en-US" dirty="0"/>
           </a:p>
         </p:txBody>
@@ -4536,7 +4539,234 @@
     </p:spTree>
     <p:extLst>
       <p:ext uri="{BB962C8B-B14F-4D97-AF65-F5344CB8AC3E}">
-        <p14:creationId xmlns:p14="http://schemas.microsoft.com/office/powerpoint/2010/main" val="2413063456"/>
+        <p14:creationId xmlns:p14="http://schemas.microsoft.com/office/powerpoint/2010/main" val="3836759782"/>
+      </p:ext>
+    </p:extLst>
+  </p:cSld>
+  <p:clrMapOvr>
+    <a:masterClrMapping/>
+  </p:clrMapOvr>
+</p:sld>
+</file>
+
+<file path=ppt/slides/slide9.xml><?xml version="1.0" encoding="utf-8"?>
+<p:sld xmlns:a="http://schemas.openxmlformats.org/drawingml/2006/main" xmlns:r="http://schemas.openxmlformats.org/officeDocument/2006/relationships" xmlns:p="http://schemas.openxmlformats.org/presentationml/2006/main">
+  <p:cSld>
+    <p:spTree>
+      <p:nvGrpSpPr>
+        <p:cNvPr id="1" name=""/>
+        <p:cNvGrpSpPr/>
+        <p:nvPr/>
+      </p:nvGrpSpPr>
+      <p:grpSpPr>
+        <a:xfrm>
+          <a:off x="0" y="0"/>
+          <a:ext cx="0" cy="0"/>
+          <a:chOff x="0" y="0"/>
+          <a:chExt cx="0" cy="0"/>
+        </a:xfrm>
+      </p:grpSpPr>
+      <p:sp>
+        <p:nvSpPr>
+          <p:cNvPr id="2" name="Title 1">
+            <a:extLst>
+              <a:ext uri="{FF2B5EF4-FFF2-40B4-BE49-F238E27FC236}">
+                <a16:creationId xmlns:a16="http://schemas.microsoft.com/office/drawing/2014/main" id="{A17F9FE9-3D79-417D-BE6E-F08E4EFB2EB1}"/>
+              </a:ext>
+            </a:extLst>
+          </p:cNvPr>
+          <p:cNvSpPr>
+            <a:spLocks noGrp="1"/>
+          </p:cNvSpPr>
+          <p:nvPr>
+            <p:ph type="title"/>
+          </p:nvPr>
+        </p:nvSpPr>
+        <p:spPr/>
+        <p:txBody>
+          <a:bodyPr/>
+          <a:lstStyle/>
+          <a:p>
+            <a:r>
+              <a:rPr lang="en-US" dirty="0"/>
+              <a:t>Reflection Tips And Tricks</a:t>
+            </a:r>
+          </a:p>
+        </p:txBody>
+      </p:sp>
+      <p:sp>
+        <p:nvSpPr>
+          <p:cNvPr id="3" name="Content Placeholder 2">
+            <a:extLst>
+              <a:ext uri="{FF2B5EF4-FFF2-40B4-BE49-F238E27FC236}">
+                <a16:creationId xmlns:a16="http://schemas.microsoft.com/office/drawing/2014/main" id="{CEF8DD17-0DBF-4F55-AA9E-49C4770A4346}"/>
+              </a:ext>
+            </a:extLst>
+          </p:cNvPr>
+          <p:cNvSpPr>
+            <a:spLocks noGrp="1"/>
+          </p:cNvSpPr>
+          <p:nvPr>
+            <p:ph idx="1"/>
+          </p:nvPr>
+        </p:nvSpPr>
+        <p:spPr/>
+        <p:txBody>
+          <a:bodyPr>
+            <a:normAutofit fontScale="92500" lnSpcReduction="10000"/>
+          </a:bodyPr>
+          <a:lstStyle/>
+          <a:p>
+            <a:r>
+              <a:rPr lang="en-US" dirty="0" err="1"/>
+              <a:t>IsAssignableFrom</a:t>
+            </a:r>
+            <a:r>
+              <a:rPr lang="en-US" dirty="0"/>
+              <a:t>, </a:t>
+            </a:r>
+            <a:r>
+              <a:rPr lang="en-US" dirty="0" err="1"/>
+              <a:t>IsInstanceOfType</a:t>
+            </a:r>
+            <a:r>
+              <a:rPr lang="en-US" dirty="0"/>
+              <a:t> or is operator </a:t>
+            </a:r>
+          </a:p>
+          <a:p>
+            <a:pPr lvl="1"/>
+            <a:r>
+              <a:rPr lang="en-US" dirty="0"/>
+              <a:t>Best way to check types</a:t>
+            </a:r>
+          </a:p>
+          <a:p>
+            <a:pPr lvl="1"/>
+            <a:r>
+              <a:rPr lang="en-US" dirty="0" err="1"/>
+              <a:t>Type.Equals</a:t>
+            </a:r>
+            <a:r>
+              <a:rPr lang="en-US" dirty="0"/>
+              <a:t> will restrict to exact type information</a:t>
+            </a:r>
+          </a:p>
+          <a:p>
+            <a:pPr lvl="1"/>
+            <a:r>
+              <a:rPr lang="en-US" dirty="0" err="1"/>
+              <a:t>Type.GetInterfaces</a:t>
+            </a:r>
+            <a:r>
+              <a:rPr lang="en-US" dirty="0"/>
+              <a:t> is very slow in comparison</a:t>
+            </a:r>
+          </a:p>
+          <a:p>
+            <a:r>
+              <a:rPr lang="en-US" dirty="0"/>
+              <a:t>Cache anything that will commonly be used with reflection!</a:t>
+            </a:r>
+          </a:p>
+          <a:p>
+            <a:pPr lvl="1"/>
+            <a:r>
+              <a:rPr lang="en-US" dirty="0"/>
+              <a:t>.NET will implicitly cache type information, but if it is seldomly used then it may end up disposed.</a:t>
+            </a:r>
+          </a:p>
+          <a:p>
+            <a:pPr lvl="1"/>
+            <a:r>
+              <a:rPr lang="en-US" dirty="0"/>
+              <a:t>Things like Type and specific members could be cached in memory</a:t>
+            </a:r>
+          </a:p>
+          <a:p>
+            <a:r>
+              <a:rPr lang="en-US" dirty="0"/>
+              <a:t>Obviously avoid reflection, but be aware that OOP rules are broken</a:t>
+            </a:r>
+          </a:p>
+          <a:p>
+            <a:pPr lvl="1"/>
+            <a:r>
+              <a:rPr lang="en-US" dirty="0"/>
+              <a:t>Allowed to set private/protected/internal fields, properties and invoke methods</a:t>
+            </a:r>
+          </a:p>
+          <a:p>
+            <a:r>
+              <a:rPr lang="en-US" dirty="0"/>
+              <a:t>Custom Attributes can be checked by </a:t>
+            </a:r>
+            <a:r>
+              <a:rPr lang="en-US" dirty="0" err="1"/>
+              <a:t>GetCustomAttribute</a:t>
+            </a:r>
+            <a:endParaRPr lang="en-US" dirty="0"/>
+          </a:p>
+          <a:p>
+            <a:pPr lvl="1"/>
+            <a:r>
+              <a:rPr lang="en-US" dirty="0"/>
+              <a:t>Extension in </a:t>
+            </a:r>
+            <a:r>
+              <a:rPr lang="en-US" dirty="0" err="1"/>
+              <a:t>System.Reflection</a:t>
+            </a:r>
+            <a:r>
+              <a:rPr lang="en-US" dirty="0"/>
+              <a:t> namespace</a:t>
+            </a:r>
+          </a:p>
+        </p:txBody>
+      </p:sp>
+      <p:pic>
+        <p:nvPicPr>
+          <p:cNvPr id="4" name="Picture 3">
+            <a:extLst>
+              <a:ext uri="{FF2B5EF4-FFF2-40B4-BE49-F238E27FC236}">
+                <a16:creationId xmlns:a16="http://schemas.microsoft.com/office/drawing/2014/main" id="{54BBA219-BCA3-4D03-965B-0CBEF257D46F}"/>
+              </a:ext>
+            </a:extLst>
+          </p:cNvPr>
+          <p:cNvPicPr>
+            <a:picLocks noChangeAspect="1"/>
+          </p:cNvPicPr>
+          <p:nvPr/>
+        </p:nvPicPr>
+        <p:blipFill>
+          <a:blip r:embed="rId2">
+            <a:extLst>
+              <a:ext uri="{28A0092B-C50C-407E-A947-70E740481C1C}">
+                <a14:useLocalDpi xmlns:a14="http://schemas.microsoft.com/office/drawing/2010/main" val="0"/>
+              </a:ext>
+            </a:extLst>
+          </a:blip>
+          <a:stretch>
+            <a:fillRect/>
+          </a:stretch>
+        </p:blipFill>
+        <p:spPr>
+          <a:xfrm>
+            <a:off x="8809793" y="0"/>
+            <a:ext cx="3382207" cy="3100039"/>
+          </a:xfrm>
+          <a:prstGeom prst="rect">
+            <a:avLst/>
+          </a:prstGeom>
+          <a:effectLst>
+            <a:softEdge rad="31750"/>
+          </a:effectLst>
+        </p:spPr>
+      </p:pic>
+    </p:spTree>
+    <p:extLst>
+      <p:ext uri="{BB962C8B-B14F-4D97-AF65-F5344CB8AC3E}">
+        <p14:creationId xmlns:p14="http://schemas.microsoft.com/office/powerpoint/2010/main" val="3465392253"/>
       </p:ext>
     </p:extLst>
   </p:cSld>
